--- a/Project_KSB/구조.pptx
+++ b/Project_KSB/구조.pptx
@@ -259,7 +259,7 @@
           <a:p>
             <a:fld id="{3A68FB33-14CB-47FC-AC39-77A845D9437F}" type="datetimeFigureOut">
               <a:rPr lang="ko-KR" altLang="en-US" smtClean="0"/>
-              <a:t>2020-03-12</a:t>
+              <a:t>2020-03-23</a:t>
             </a:fld>
             <a:endParaRPr lang="ko-KR" altLang="en-US"/>
           </a:p>
@@ -457,7 +457,7 @@
           <a:p>
             <a:fld id="{3A68FB33-14CB-47FC-AC39-77A845D9437F}" type="datetimeFigureOut">
               <a:rPr lang="ko-KR" altLang="en-US" smtClean="0"/>
-              <a:t>2020-03-12</a:t>
+              <a:t>2020-03-23</a:t>
             </a:fld>
             <a:endParaRPr lang="ko-KR" altLang="en-US"/>
           </a:p>
@@ -665,7 +665,7 @@
           <a:p>
             <a:fld id="{3A68FB33-14CB-47FC-AC39-77A845D9437F}" type="datetimeFigureOut">
               <a:rPr lang="ko-KR" altLang="en-US" smtClean="0"/>
-              <a:t>2020-03-12</a:t>
+              <a:t>2020-03-23</a:t>
             </a:fld>
             <a:endParaRPr lang="ko-KR" altLang="en-US"/>
           </a:p>
@@ -863,7 +863,7 @@
           <a:p>
             <a:fld id="{3A68FB33-14CB-47FC-AC39-77A845D9437F}" type="datetimeFigureOut">
               <a:rPr lang="ko-KR" altLang="en-US" smtClean="0"/>
-              <a:t>2020-03-12</a:t>
+              <a:t>2020-03-23</a:t>
             </a:fld>
             <a:endParaRPr lang="ko-KR" altLang="en-US"/>
           </a:p>
@@ -1138,7 +1138,7 @@
           <a:p>
             <a:fld id="{3A68FB33-14CB-47FC-AC39-77A845D9437F}" type="datetimeFigureOut">
               <a:rPr lang="ko-KR" altLang="en-US" smtClean="0"/>
-              <a:t>2020-03-12</a:t>
+              <a:t>2020-03-23</a:t>
             </a:fld>
             <a:endParaRPr lang="ko-KR" altLang="en-US"/>
           </a:p>
@@ -1403,7 +1403,7 @@
           <a:p>
             <a:fld id="{3A68FB33-14CB-47FC-AC39-77A845D9437F}" type="datetimeFigureOut">
               <a:rPr lang="ko-KR" altLang="en-US" smtClean="0"/>
-              <a:t>2020-03-12</a:t>
+              <a:t>2020-03-23</a:t>
             </a:fld>
             <a:endParaRPr lang="ko-KR" altLang="en-US"/>
           </a:p>
@@ -1815,7 +1815,7 @@
           <a:p>
             <a:fld id="{3A68FB33-14CB-47FC-AC39-77A845D9437F}" type="datetimeFigureOut">
               <a:rPr lang="ko-KR" altLang="en-US" smtClean="0"/>
-              <a:t>2020-03-12</a:t>
+              <a:t>2020-03-23</a:t>
             </a:fld>
             <a:endParaRPr lang="ko-KR" altLang="en-US"/>
           </a:p>
@@ -1956,7 +1956,7 @@
           <a:p>
             <a:fld id="{3A68FB33-14CB-47FC-AC39-77A845D9437F}" type="datetimeFigureOut">
               <a:rPr lang="ko-KR" altLang="en-US" smtClean="0"/>
-              <a:t>2020-03-12</a:t>
+              <a:t>2020-03-23</a:t>
             </a:fld>
             <a:endParaRPr lang="ko-KR" altLang="en-US"/>
           </a:p>
@@ -2069,7 +2069,7 @@
           <a:p>
             <a:fld id="{3A68FB33-14CB-47FC-AC39-77A845D9437F}" type="datetimeFigureOut">
               <a:rPr lang="ko-KR" altLang="en-US" smtClean="0"/>
-              <a:t>2020-03-12</a:t>
+              <a:t>2020-03-23</a:t>
             </a:fld>
             <a:endParaRPr lang="ko-KR" altLang="en-US"/>
           </a:p>
@@ -2380,7 +2380,7 @@
           <a:p>
             <a:fld id="{3A68FB33-14CB-47FC-AC39-77A845D9437F}" type="datetimeFigureOut">
               <a:rPr lang="ko-KR" altLang="en-US" smtClean="0"/>
-              <a:t>2020-03-12</a:t>
+              <a:t>2020-03-23</a:t>
             </a:fld>
             <a:endParaRPr lang="ko-KR" altLang="en-US"/>
           </a:p>
@@ -2668,7 +2668,7 @@
           <a:p>
             <a:fld id="{3A68FB33-14CB-47FC-AC39-77A845D9437F}" type="datetimeFigureOut">
               <a:rPr lang="ko-KR" altLang="en-US" smtClean="0"/>
-              <a:t>2020-03-12</a:t>
+              <a:t>2020-03-23</a:t>
             </a:fld>
             <a:endParaRPr lang="ko-KR" altLang="en-US"/>
           </a:p>
@@ -2909,7 +2909,7 @@
           <a:p>
             <a:fld id="{3A68FB33-14CB-47FC-AC39-77A845D9437F}" type="datetimeFigureOut">
               <a:rPr lang="ko-KR" altLang="en-US" smtClean="0"/>
-              <a:t>2020-03-12</a:t>
+              <a:t>2020-03-23</a:t>
             </a:fld>
             <a:endParaRPr lang="ko-KR" altLang="en-US"/>
           </a:p>
@@ -4097,7 +4097,7 @@
         </p:nvSpPr>
         <p:spPr>
           <a:xfrm>
-            <a:off x="9471209" y="4858305"/>
+            <a:off x="9471209" y="4856625"/>
             <a:ext cx="1107141" cy="419097"/>
           </a:xfrm>
           <a:prstGeom prst="rect">
@@ -4146,9 +4146,99 @@
           <p:nvPr/>
         </p:nvCxnSpPr>
         <p:spPr>
+          <a:xfrm flipV="1">
+            <a:off x="9067798" y="5066174"/>
+            <a:ext cx="403411" cy="1"/>
+          </a:xfrm>
+          <a:prstGeom prst="line">
+            <a:avLst/>
+          </a:prstGeom>
+        </p:spPr>
+        <p:style>
+          <a:lnRef idx="1">
+            <a:schemeClr val="accent1"/>
+          </a:lnRef>
+          <a:fillRef idx="0">
+            <a:schemeClr val="accent1"/>
+          </a:fillRef>
+          <a:effectRef idx="0">
+            <a:schemeClr val="accent1"/>
+          </a:effectRef>
+          <a:fontRef idx="minor">
+            <a:schemeClr val="tx1"/>
+          </a:fontRef>
+        </p:style>
+      </p:cxnSp>
+      <p:sp>
+        <p:nvSpPr>
+          <p:cNvPr id="23" name="직사각형 22">
+            <a:extLst>
+              <a:ext uri="{FF2B5EF4-FFF2-40B4-BE49-F238E27FC236}">
+                <a16:creationId xmlns:a16="http://schemas.microsoft.com/office/drawing/2014/main" id="{45EFD8EE-38D3-4496-9A2C-DD488EA3752C}"/>
+              </a:ext>
+            </a:extLst>
+          </p:cNvPr>
+          <p:cNvSpPr/>
+          <p:nvPr/>
+        </p:nvSpPr>
+        <p:spPr>
           <a:xfrm>
-            <a:off x="9067798" y="5066175"/>
-            <a:ext cx="403411" cy="1679"/>
+            <a:off x="10981761" y="4872871"/>
+            <a:ext cx="1107141" cy="419097"/>
+          </a:xfrm>
+          <a:prstGeom prst="rect">
+            <a:avLst/>
+          </a:prstGeom>
+        </p:spPr>
+        <p:style>
+          <a:lnRef idx="2">
+            <a:schemeClr val="dk1"/>
+          </a:lnRef>
+          <a:fillRef idx="1">
+            <a:schemeClr val="lt1"/>
+          </a:fillRef>
+          <a:effectRef idx="0">
+            <a:schemeClr val="dk1"/>
+          </a:effectRef>
+          <a:fontRef idx="minor">
+            <a:schemeClr val="dk1"/>
+          </a:fontRef>
+        </p:style>
+        <p:txBody>
+          <a:bodyPr rtlCol="0" anchor="ctr"/>
+          <a:lstStyle/>
+          <a:p>
+            <a:pPr algn="ctr"/>
+            <a:r>
+              <a:rPr lang="en-US" altLang="ko-KR" sz="1600" dirty="0"/>
+              <a:t>model3D</a:t>
+            </a:r>
+            <a:r>
+              <a:rPr lang="en-US" altLang="ko-KR" dirty="0"/>
+              <a:t> </a:t>
+            </a:r>
+          </a:p>
+        </p:txBody>
+      </p:sp>
+      <p:cxnSp>
+        <p:nvCxnSpPr>
+          <p:cNvPr id="24" name="직선 연결선 23">
+            <a:extLst>
+              <a:ext uri="{FF2B5EF4-FFF2-40B4-BE49-F238E27FC236}">
+                <a16:creationId xmlns:a16="http://schemas.microsoft.com/office/drawing/2014/main" id="{B4104313-8611-456C-A2C5-6C4025FDEB9B}"/>
+              </a:ext>
+            </a:extLst>
+          </p:cNvPr>
+          <p:cNvCxnSpPr>
+            <a:cxnSpLocks/>
+            <a:endCxn id="23" idx="1"/>
+          </p:cNvCxnSpPr>
+          <p:nvPr/>
+        </p:nvCxnSpPr>
+        <p:spPr>
+          <a:xfrm flipV="1">
+            <a:off x="10578350" y="5082420"/>
+            <a:ext cx="403411" cy="2"/>
           </a:xfrm>
           <a:prstGeom prst="line">
             <a:avLst/>
